--- a/ISPTermProjectPresentation.pptx
+++ b/ISPTermProjectPresentation.pptx
@@ -909,7 +909,7 @@
   <p:cSld>
     <p:spTree>
       <p:nvGrpSpPr>
-        <p:cNvPr id="95" name="Shape 95"/>
+        <p:cNvPr id="97" name="Shape 97"/>
         <p:cNvGrpSpPr/>
         <p:nvPr/>
       </p:nvGrpSpPr>
@@ -923,7 +923,7 @@
       </p:grpSpPr>
       <p:sp>
         <p:nvSpPr>
-          <p:cNvPr id="96" name="Google Shape;96;ga36aaf9807_0_83:notes"/>
+          <p:cNvPr id="98" name="Google Shape;98;ga36aaf9807_0_83:notes"/>
           <p:cNvSpPr/>
           <p:nvPr>
             <p:ph idx="2" type="sldImg"/>
@@ -958,7 +958,7 @@
       </p:sp>
       <p:sp>
         <p:nvSpPr>
-          <p:cNvPr id="97" name="Google Shape;97;ga36aaf9807_0_83:notes"/>
+          <p:cNvPr id="99" name="Google Shape;99;ga36aaf9807_0_83:notes"/>
           <p:cNvSpPr txBox="1"/>
           <p:nvPr>
             <p:ph idx="1" type="body"/>
@@ -1008,7 +1008,7 @@
   <p:cSld>
     <p:spTree>
       <p:nvGrpSpPr>
-        <p:cNvPr id="102" name="Shape 102"/>
+        <p:cNvPr id="104" name="Shape 104"/>
         <p:cNvGrpSpPr/>
         <p:nvPr/>
       </p:nvGrpSpPr>
@@ -1022,7 +1022,7 @@
       </p:grpSpPr>
       <p:sp>
         <p:nvSpPr>
-          <p:cNvPr id="103" name="Google Shape;103;ga36aaf9807_0_89:notes"/>
+          <p:cNvPr id="105" name="Google Shape;105;ga36aaf9807_0_89:notes"/>
           <p:cNvSpPr/>
           <p:nvPr>
             <p:ph idx="2" type="sldImg"/>
@@ -1057,7 +1057,7 @@
       </p:sp>
       <p:sp>
         <p:nvSpPr>
-          <p:cNvPr id="104" name="Google Shape;104;ga36aaf9807_0_89:notes"/>
+          <p:cNvPr id="106" name="Google Shape;106;ga36aaf9807_0_89:notes"/>
           <p:cNvSpPr txBox="1"/>
           <p:nvPr>
             <p:ph idx="1" type="body"/>
@@ -1107,7 +1107,7 @@
   <p:cSld>
     <p:spTree>
       <p:nvGrpSpPr>
-        <p:cNvPr id="108" name="Shape 108"/>
+        <p:cNvPr id="110" name="Shape 110"/>
         <p:cNvGrpSpPr/>
         <p:nvPr/>
       </p:nvGrpSpPr>
@@ -1121,7 +1121,7 @@
       </p:grpSpPr>
       <p:sp>
         <p:nvSpPr>
-          <p:cNvPr id="109" name="Google Shape;109;ga36aaf9807_0_102:notes"/>
+          <p:cNvPr id="111" name="Google Shape;111;ga36aaf9807_0_102:notes"/>
           <p:cNvSpPr/>
           <p:nvPr>
             <p:ph idx="2" type="sldImg"/>
@@ -1156,7 +1156,7 @@
       </p:sp>
       <p:sp>
         <p:nvSpPr>
-          <p:cNvPr id="110" name="Google Shape;110;ga36aaf9807_0_102:notes"/>
+          <p:cNvPr id="112" name="Google Shape;112;ga36aaf9807_0_102:notes"/>
           <p:cNvSpPr txBox="1"/>
           <p:nvPr>
             <p:ph idx="1" type="body"/>
@@ -7984,8 +7984,8 @@
         </p:nvSpPr>
         <p:spPr>
           <a:xfrm>
-            <a:off x="729325" y="2078875"/>
-            <a:ext cx="3774300" cy="2261100"/>
+            <a:off x="729450" y="2078875"/>
+            <a:ext cx="5061600" cy="2673600"/>
           </a:xfrm>
           <a:prstGeom prst="rect">
             <a:avLst/>
@@ -8002,12 +8002,61 @@
                 <a:spcPts val="0"/>
               </a:spcBef>
               <a:spcAft>
-                <a:spcPts val="1600"/>
+                <a:spcPts val="0"/>
               </a:spcAft>
               <a:buNone/>
             </a:pPr>
             <a:r>
-              <a:t/>
+              <a:rPr lang="en"/>
+              <a:t>The system design of our project is based highly on the user interface. </a:t>
+            </a:r>
+            <a:endParaRPr/>
+          </a:p>
+          <a:p>
+            <a:pPr indent="0" lvl="0" marL="0" rtl="0" algn="l">
+              <a:spcBef>
+                <a:spcPts val="1600"/>
+              </a:spcBef>
+              <a:spcAft>
+                <a:spcPts val="0"/>
+              </a:spcAft>
+              <a:buNone/>
+            </a:pPr>
+            <a:r>
+              <a:rPr lang="en"/>
+              <a:t>Before the Character Creator can be accessed, the user must first login in to a previous account, or register for a new on. </a:t>
+            </a:r>
+            <a:endParaRPr/>
+          </a:p>
+          <a:p>
+            <a:pPr indent="0" lvl="0" marL="0" rtl="0" algn="l">
+              <a:spcBef>
+                <a:spcPts val="1600"/>
+              </a:spcBef>
+              <a:spcAft>
+                <a:spcPts val="0"/>
+              </a:spcAft>
+              <a:buNone/>
+            </a:pPr>
+            <a:r>
+              <a:rPr lang="en"/>
+              <a:t>Then the user will be given the option to create a new character or view a previously made one. </a:t>
+            </a:r>
+            <a:endParaRPr/>
+          </a:p>
+          <a:p>
+            <a:pPr indent="0" lvl="0" marL="0" rtl="0" algn="l">
+              <a:spcBef>
+                <a:spcPts val="1600"/>
+              </a:spcBef>
+              <a:spcAft>
+                <a:spcPts val="1600"/>
+              </a:spcAft>
+              <a:buNone/>
+            </a:pPr>
+            <a:r>
+              <a:rPr lang="en"/>
+              <a:t>If the user wishes to create a new character, they will be taken to a page that allows them to fill out the different aspects of a character.</a:t>
             </a:r>
             <a:endParaRPr/>
           </a:p>
@@ -8023,8 +8072,8 @@
         </p:nvSpPr>
         <p:spPr>
           <a:xfrm>
-            <a:off x="4643604" y="2078875"/>
-            <a:ext cx="3774300" cy="2261100"/>
+            <a:off x="5485575" y="2078875"/>
+            <a:ext cx="3518700" cy="2261100"/>
           </a:xfrm>
           <a:prstGeom prst="rect">
             <a:avLst/>
@@ -8036,12 +8085,28 @@
           </a:bodyPr>
           <a:lstStyle/>
           <a:p>
-            <a:pPr indent="0" lvl="0" marL="0" rtl="0" algn="l">
-              <a:spcBef>
-                <a:spcPts val="0"/>
-              </a:spcBef>
-              <a:spcAft>
+            <a:pPr indent="0" lvl="0" marL="0" rtl="0" algn="ctr">
+              <a:spcBef>
+                <a:spcPts val="0"/>
+              </a:spcBef>
+              <a:spcAft>
+                <a:spcPts val="0"/>
+              </a:spcAft>
+              <a:buNone/>
+            </a:pPr>
+            <a:r>
+              <a:rPr lang="en"/>
+              <a:t>User Login</a:t>
+            </a:r>
+            <a:endParaRPr/>
+          </a:p>
+          <a:p>
+            <a:pPr indent="0" lvl="0" marL="0" rtl="0" algn="ctr">
+              <a:spcBef>
                 <a:spcPts val="1600"/>
+              </a:spcBef>
+              <a:spcAft>
+                <a:spcPts val="0"/>
               </a:spcAft>
               <a:buNone/>
             </a:pPr>
@@ -8050,8 +8115,107 @@
             </a:r>
             <a:endParaRPr/>
           </a:p>
+          <a:p>
+            <a:pPr indent="0" lvl="0" marL="0" rtl="0" algn="ctr">
+              <a:spcBef>
+                <a:spcPts val="1600"/>
+              </a:spcBef>
+              <a:spcAft>
+                <a:spcPts val="0"/>
+              </a:spcAft>
+              <a:buNone/>
+            </a:pPr>
+            <a:r>
+              <a:rPr lang="en"/>
+              <a:t>Character Creation</a:t>
+            </a:r>
+            <a:endParaRPr/>
+          </a:p>
+          <a:p>
+            <a:pPr indent="0" lvl="0" marL="0" rtl="0" algn="ctr">
+              <a:spcBef>
+                <a:spcPts val="1600"/>
+              </a:spcBef>
+              <a:spcAft>
+                <a:spcPts val="0"/>
+              </a:spcAft>
+              <a:buNone/>
+            </a:pPr>
+            <a:r>
+              <a:t/>
+            </a:r>
+            <a:endParaRPr/>
+          </a:p>
+          <a:p>
+            <a:pPr indent="0" lvl="0" marL="0" rtl="0" algn="ctr">
+              <a:spcBef>
+                <a:spcPts val="1600"/>
+              </a:spcBef>
+              <a:spcAft>
+                <a:spcPts val="1600"/>
+              </a:spcAft>
+              <a:buNone/>
+            </a:pPr>
+            <a:r>
+              <a:rPr lang="en"/>
+              <a:t>Character Display</a:t>
+            </a:r>
+            <a:endParaRPr/>
+          </a:p>
         </p:txBody>
       </p:sp>
+      <p:cxnSp>
+        <p:nvCxnSpPr>
+          <p:cNvPr id="95" name="Google Shape;95;p14"/>
+          <p:cNvCxnSpPr/>
+          <p:nvPr/>
+        </p:nvCxnSpPr>
+        <p:spPr>
+          <a:xfrm>
+            <a:off x="7238775" y="2571750"/>
+            <a:ext cx="12300" cy="281100"/>
+          </a:xfrm>
+          <a:prstGeom prst="straightConnector1">
+            <a:avLst/>
+          </a:prstGeom>
+          <a:noFill/>
+          <a:ln cap="flat" cmpd="sng" w="9525">
+            <a:solidFill>
+              <a:schemeClr val="dk2"/>
+            </a:solidFill>
+            <a:prstDash val="solid"/>
+            <a:round/>
+            <a:headEnd len="med" w="med" type="none"/>
+            <a:tailEnd len="med" w="med" type="triangle"/>
+          </a:ln>
+        </p:spPr>
+      </p:cxnSp>
+      <p:cxnSp>
+        <p:nvCxnSpPr>
+          <p:cNvPr id="96" name="Google Shape;96;p14"/>
+          <p:cNvCxnSpPr/>
+          <p:nvPr/>
+        </p:nvCxnSpPr>
+        <p:spPr>
+          <a:xfrm>
+            <a:off x="7238775" y="3506075"/>
+            <a:ext cx="12300" cy="281100"/>
+          </a:xfrm>
+          <a:prstGeom prst="straightConnector1">
+            <a:avLst/>
+          </a:prstGeom>
+          <a:noFill/>
+          <a:ln cap="flat" cmpd="sng" w="9525">
+            <a:solidFill>
+              <a:schemeClr val="dk2"/>
+            </a:solidFill>
+            <a:prstDash val="solid"/>
+            <a:round/>
+            <a:headEnd len="med" w="med" type="none"/>
+            <a:tailEnd len="med" w="med" type="triangle"/>
+          </a:ln>
+        </p:spPr>
+      </p:cxnSp>
     </p:spTree>
   </p:cSld>
   <p:clrMapOvr>
@@ -8065,7 +8229,7 @@
   <p:cSld>
     <p:spTree>
       <p:nvGrpSpPr>
-        <p:cNvPr id="98" name="Shape 98"/>
+        <p:cNvPr id="100" name="Shape 100"/>
         <p:cNvGrpSpPr/>
         <p:nvPr/>
       </p:nvGrpSpPr>
@@ -8079,7 +8243,7 @@
       </p:grpSpPr>
       <p:sp>
         <p:nvSpPr>
-          <p:cNvPr id="99" name="Google Shape;99;p15"/>
+          <p:cNvPr id="101" name="Google Shape;101;p15"/>
           <p:cNvSpPr txBox="1"/>
           <p:nvPr>
             <p:ph type="title"/>
@@ -8100,7 +8264,7 @@
           </a:bodyPr>
           <a:lstStyle/>
           <a:p>
-            <a:pPr indent="0" lvl="0" marL="0" rtl="0" algn="l">
+            <a:pPr indent="0" lvl="0" marL="0" rtl="0" algn="ctr">
               <a:spcBef>
                 <a:spcPts val="0"/>
               </a:spcBef>
@@ -8110,16 +8274,16 @@
               <a:buNone/>
             </a:pPr>
             <a:r>
-              <a:rPr lang="en"/>
+              <a:rPr lang="en" sz="3100"/>
               <a:t>Implementation Tools</a:t>
             </a:r>
-            <a:endParaRPr/>
+            <a:endParaRPr sz="3100"/>
           </a:p>
         </p:txBody>
       </p:sp>
       <p:sp>
         <p:nvSpPr>
-          <p:cNvPr id="100" name="Google Shape;100;p15"/>
+          <p:cNvPr id="102" name="Google Shape;102;p15"/>
           <p:cNvSpPr txBox="1"/>
           <p:nvPr>
             <p:ph idx="1" type="subTitle"/>
@@ -8140,7 +8304,7 @@
           </a:bodyPr>
           <a:lstStyle/>
           <a:p>
-            <a:pPr indent="0" lvl="0" marL="0" rtl="0" algn="l">
+            <a:pPr indent="0" lvl="0" marL="0" rtl="0" algn="ctr">
               <a:spcBef>
                 <a:spcPts val="0"/>
               </a:spcBef>
@@ -8150,7 +8314,8 @@
               <a:buNone/>
             </a:pPr>
             <a:r>
-              <a:t/>
+              <a:rPr lang="en"/>
+              <a:t>Languages Used: JavaScript, C#, HTML, ASP.NET, SQL</a:t>
             </a:r>
             <a:endParaRPr/>
           </a:p>
@@ -8158,7 +8323,7 @@
       </p:sp>
       <p:sp>
         <p:nvSpPr>
-          <p:cNvPr id="101" name="Google Shape;101;p15"/>
+          <p:cNvPr id="103" name="Google Shape;103;p15"/>
           <p:cNvSpPr txBox="1"/>
           <p:nvPr>
             <p:ph idx="2" type="body"/>
@@ -8166,7 +8331,7 @@
         </p:nvSpPr>
         <p:spPr>
           <a:xfrm>
-            <a:off x="5174225" y="1352625"/>
+            <a:off x="5137575" y="1059000"/>
             <a:ext cx="3374400" cy="3025500"/>
           </a:xfrm>
           <a:prstGeom prst="rect">
@@ -8184,14 +8349,107 @@
                 <a:spcPts val="0"/>
               </a:spcBef>
               <a:spcAft>
-                <a:spcPts val="1600"/>
+                <a:spcPts val="0"/>
               </a:spcAft>
               <a:buNone/>
             </a:pPr>
             <a:r>
-              <a:t/>
+              <a:rPr b="1" lang="en" sz="1500"/>
+              <a:t>JavaScript:</a:t>
             </a:r>
-            <a:endParaRPr/>
+            <a:r>
+              <a:rPr lang="en" sz="1500"/>
+              <a:t> JavaScript was used as the foundation of the project.</a:t>
+            </a:r>
+            <a:endParaRPr sz="1500"/>
+          </a:p>
+          <a:p>
+            <a:pPr indent="0" lvl="0" marL="0" rtl="0" algn="l">
+              <a:spcBef>
+                <a:spcPts val="1600"/>
+              </a:spcBef>
+              <a:spcAft>
+                <a:spcPts val="0"/>
+              </a:spcAft>
+              <a:buNone/>
+            </a:pPr>
+            <a:r>
+              <a:rPr b="1" lang="en" sz="1500"/>
+              <a:t>C#</a:t>
+            </a:r>
+            <a:r>
+              <a:rPr lang="en" sz="1500"/>
+              <a:t>: C# was used for data handling. The majority of this project was event driven.</a:t>
+            </a:r>
+            <a:endParaRPr sz="1500"/>
+          </a:p>
+          <a:p>
+            <a:pPr indent="0" lvl="0" marL="0" rtl="0" algn="l">
+              <a:spcBef>
+                <a:spcPts val="1600"/>
+              </a:spcBef>
+              <a:spcAft>
+                <a:spcPts val="0"/>
+              </a:spcAft>
+              <a:buNone/>
+            </a:pPr>
+            <a:r>
+              <a:rPr b="1" lang="en" sz="1500"/>
+              <a:t>HTML: </a:t>
+            </a:r>
+            <a:r>
+              <a:rPr lang="en" sz="1500"/>
+              <a:t>Html was used to display the </a:t>
+            </a:r>
+            <a:r>
+              <a:rPr lang="en" sz="1500"/>
+              <a:t>web pages in an Internet browser.</a:t>
+            </a:r>
+            <a:r>
+              <a:rPr lang="en" sz="1500"/>
+              <a:t> </a:t>
+            </a:r>
+            <a:endParaRPr sz="1500"/>
+          </a:p>
+          <a:p>
+            <a:pPr indent="0" lvl="0" marL="0" rtl="0" algn="l">
+              <a:spcBef>
+                <a:spcPts val="1600"/>
+              </a:spcBef>
+              <a:spcAft>
+                <a:spcPts val="0"/>
+              </a:spcAft>
+              <a:buNone/>
+            </a:pPr>
+            <a:r>
+              <a:rPr b="1" lang="en" sz="1500"/>
+              <a:t>ASP.NET</a:t>
+            </a:r>
+            <a:r>
+              <a:rPr lang="en" sz="1500"/>
+              <a:t>: ASP.NET was used as a platform to build a series of webpages.</a:t>
+            </a:r>
+            <a:endParaRPr sz="1500"/>
+          </a:p>
+          <a:p>
+            <a:pPr indent="0" lvl="0" marL="0" rtl="0" algn="l">
+              <a:spcBef>
+                <a:spcPts val="1600"/>
+              </a:spcBef>
+              <a:spcAft>
+                <a:spcPts val="1600"/>
+              </a:spcAft>
+              <a:buNone/>
+            </a:pPr>
+            <a:r>
+              <a:rPr b="1" lang="en" sz="1500"/>
+              <a:t>SQL: </a:t>
+            </a:r>
+            <a:r>
+              <a:rPr lang="en" sz="1500"/>
+              <a:t>SQL was used to keep data stored in a database. </a:t>
+            </a:r>
+            <a:endParaRPr sz="1500"/>
           </a:p>
         </p:txBody>
       </p:sp>
@@ -8208,7 +8466,7 @@
   <p:cSld>
     <p:spTree>
       <p:nvGrpSpPr>
-        <p:cNvPr id="105" name="Shape 105"/>
+        <p:cNvPr id="107" name="Shape 107"/>
         <p:cNvGrpSpPr/>
         <p:nvPr/>
       </p:nvGrpSpPr>
@@ -8222,7 +8480,7 @@
       </p:grpSpPr>
       <p:sp>
         <p:nvSpPr>
-          <p:cNvPr id="106" name="Google Shape;106;p16"/>
+          <p:cNvPr id="108" name="Google Shape;108;p16"/>
           <p:cNvSpPr txBox="1"/>
           <p:nvPr>
             <p:ph type="title"/>
@@ -8262,7 +8520,7 @@
       </p:sp>
       <p:sp>
         <p:nvSpPr>
-          <p:cNvPr id="107" name="Google Shape;107;p16"/>
+          <p:cNvPr id="109" name="Google Shape;109;p16"/>
           <p:cNvSpPr txBox="1"/>
           <p:nvPr>
             <p:ph idx="1" type="body"/>
@@ -8288,12 +8546,37 @@
                 <a:spcPts val="0"/>
               </a:spcBef>
               <a:spcAft>
-                <a:spcPts val="1600"/>
+                <a:spcPts val="0"/>
               </a:spcAft>
               <a:buNone/>
             </a:pPr>
             <a:r>
-              <a:t/>
+              <a:rPr lang="en"/>
+              <a:t>One issue we had was inserting the data from the character creation </a:t>
+            </a:r>
+            <a:r>
+              <a:rPr lang="en"/>
+              <a:t>web page</a:t>
+            </a:r>
+            <a:r>
+              <a:rPr lang="en"/>
+              <a:t> into the appropriate sql tables. </a:t>
+            </a:r>
+            <a:endParaRPr/>
+          </a:p>
+          <a:p>
+            <a:pPr indent="0" lvl="0" marL="0" rtl="0" algn="l">
+              <a:spcBef>
+                <a:spcPts val="1600"/>
+              </a:spcBef>
+              <a:spcAft>
+                <a:spcPts val="1600"/>
+              </a:spcAft>
+              <a:buNone/>
+            </a:pPr>
+            <a:r>
+              <a:rPr lang="en"/>
+              <a:t>Another issue was figuring out how to take the said data about and display it when user prompted. </a:t>
             </a:r>
             <a:endParaRPr/>
           </a:p>
@@ -8312,7 +8595,7 @@
   <p:cSld>
     <p:spTree>
       <p:nvGrpSpPr>
-        <p:cNvPr id="111" name="Shape 111"/>
+        <p:cNvPr id="113" name="Shape 113"/>
         <p:cNvGrpSpPr/>
         <p:nvPr/>
       </p:nvGrpSpPr>
@@ -8326,7 +8609,7 @@
       </p:grpSpPr>
       <p:sp>
         <p:nvSpPr>
-          <p:cNvPr id="112" name="Google Shape;112;p17"/>
+          <p:cNvPr id="114" name="Google Shape;114;p17"/>
           <p:cNvSpPr txBox="1"/>
           <p:nvPr>
             <p:ph type="ctrTitle"/>
@@ -8358,12 +8641,40 @@
             </a:pPr>
             <a:r>
               <a:rPr lang="en"/>
-              <a:t>Conclusion</a:t>
+              <a:t>Let’s Run a Demonstration!</a:t>
             </a:r>
             <a:endParaRPr/>
           </a:p>
         </p:txBody>
       </p:sp>
+      <p:pic>
+        <p:nvPicPr>
+          <p:cNvPr id="115" name="Google Shape;115;p17"/>
+          <p:cNvPicPr preferRelativeResize="0"/>
+          <p:nvPr/>
+        </p:nvPicPr>
+        <p:blipFill>
+          <a:blip r:embed="rId3">
+            <a:alphaModFix/>
+          </a:blip>
+          <a:stretch>
+            <a:fillRect/>
+          </a:stretch>
+        </p:blipFill>
+        <p:spPr>
+          <a:xfrm>
+            <a:off x="1508525" y="1471875"/>
+            <a:ext cx="5838825" cy="2438400"/>
+          </a:xfrm>
+          <a:prstGeom prst="rect">
+            <a:avLst/>
+          </a:prstGeom>
+          <a:noFill/>
+          <a:ln>
+            <a:noFill/>
+          </a:ln>
+        </p:spPr>
+      </p:pic>
     </p:spTree>
   </p:cSld>
   <p:clrMapOvr>
